--- a/ppt/6.pptx
+++ b/ppt/6.pptx
@@ -1,37 +1,29 @@
 
 <file path=ppt/presentation.xml><?xml version="1.0" encoding="utf-8"?>
-<p:presentation xmlns:a="http://schemas.openxmlformats.org/drawingml/2006/main" xmlns:r="http://schemas.openxmlformats.org/officeDocument/2006/relationships" xmlns:p="http://schemas.openxmlformats.org/presentationml/2006/main" embedTrueTypeFonts="1" saveSubsetFonts="1">
+<p:presentation xmlns:a="http://schemas.openxmlformats.org/drawingml/2006/main" xmlns:r="http://schemas.openxmlformats.org/officeDocument/2006/relationships" xmlns:p="http://schemas.openxmlformats.org/presentationml/2006/main">
   <p:sldMasterIdLst>
     <p:sldMasterId id="2147483648" r:id="rId1"/>
   </p:sldMasterIdLst>
   <p:notesMasterIdLst>
-    <p:notesMasterId r:id="rId5"/>
+    <p:notesMasterId r:id="rId15"/>
   </p:notesMasterIdLst>
   <p:sldIdLst>
-    <p:sldId id="304" r:id="rId2"/>
-    <p:sldId id="312" r:id="rId3"/>
-    <p:sldId id="299" r:id="rId4"/>
+    <p:sldId id="315" r:id="rId2"/>
+    <p:sldId id="313" r:id="rId3"/>
+    <p:sldId id="324" r:id="rId4"/>
+    <p:sldId id="312" r:id="rId5"/>
+    <p:sldId id="316" r:id="rId6"/>
+    <p:sldId id="317" r:id="rId7"/>
+    <p:sldId id="318" r:id="rId8"/>
+    <p:sldId id="319" r:id="rId9"/>
+    <p:sldId id="320" r:id="rId10"/>
+    <p:sldId id="321" r:id="rId11"/>
+    <p:sldId id="322" r:id="rId12"/>
+    <p:sldId id="323" r:id="rId13"/>
+    <p:sldId id="299" r:id="rId14"/>
   </p:sldIdLst>
   <p:sldSz cx="9144000" cy="5143500" type="screen16x9"/>
   <p:notesSz cx="6858000" cy="9144000"/>
-  <p:embeddedFontLst>
-    <p:embeddedFont>
-      <p:font typeface="黑体" pitchFamily="2" charset="-122"/>
-      <p:regular r:id="rId6"/>
-    </p:embeddedFont>
-    <p:embeddedFont>
-      <p:font typeface="微软雅黑" pitchFamily="34" charset="-122"/>
-      <p:regular r:id="rId7"/>
-      <p:bold r:id="rId8"/>
-    </p:embeddedFont>
-    <p:embeddedFont>
-      <p:font typeface="Calibri" pitchFamily="34" charset="0"/>
-      <p:regular r:id="rId9"/>
-      <p:bold r:id="rId10"/>
-      <p:italic r:id="rId11"/>
-      <p:boldItalic r:id="rId12"/>
-    </p:embeddedFont>
-  </p:embeddedFontLst>
   <p:defaultTextStyle>
     <a:defPPr>
       <a:defRPr lang="zh-CN"/>
@@ -127,6 +119,22 @@
       </a:defRPr>
     </a:lvl9pPr>
   </p:defaultTextStyle>
+  <p:extLst>
+    <p:ext uri="{EFAFB233-063F-42B5-8137-9DF3F51BA10A}">
+      <p15:sldGuideLst xmlns:p15="http://schemas.microsoft.com/office/powerpoint/2012/main">
+        <p15:guide id="1" orient="horz" pos="1617">
+          <p15:clr>
+            <a:srgbClr val="A4A3A4"/>
+          </p15:clr>
+        </p15:guide>
+        <p15:guide id="2" pos="2916">
+          <p15:clr>
+            <a:srgbClr val="A4A3A4"/>
+          </p15:clr>
+        </p15:guide>
+      </p15:sldGuideLst>
+    </p:ext>
+  </p:extLst>
 </p:presentation>
 </file>
 
@@ -213,7 +221,7 @@
             <a:fld id="{9936A364-F56D-418B-92EA-B8A9C286C719}" type="datetimeFigureOut">
               <a:rPr lang="zh-CN" altLang="en-US" smtClean="0"/>
               <a:pPr/>
-              <a:t>2020-2-19</a:t>
+              <a:t>2020/3/25</a:t>
             </a:fld>
             <a:endParaRPr lang="zh-CN" altLang="en-US"/>
           </a:p>
@@ -549,6 +557,11 @@
         </p:txBody>
       </p:sp>
     </p:spTree>
+    <p:extLst>
+      <p:ext uri="{BB962C8B-B14F-4D97-AF65-F5344CB8AC3E}">
+        <p14:creationId xmlns:p14="http://schemas.microsoft.com/office/powerpoint/2010/main" val="2757932187"/>
+      </p:ext>
+    </p:extLst>
   </p:cSld>
   <p:clrMapOvr>
     <a:masterClrMapping/>
@@ -622,7 +635,7 @@
             <a:fld id="{621F41D1-EB0D-4857-8E93-8C1C831E6153}" type="slidenum">
               <a:rPr lang="zh-CN" altLang="en-US" smtClean="0"/>
               <a:pPr/>
-              <a:t>3</a:t>
+              <a:t>13</a:t>
             </a:fld>
             <a:endParaRPr lang="zh-CN" altLang="en-US"/>
           </a:p>
@@ -816,7 +829,7 @@
             <a:fld id="{824AF190-E6C3-4F71-9AD4-820770AEF1A8}" type="datetimeFigureOut">
               <a:rPr lang="zh-CN" altLang="en-US" smtClean="0"/>
               <a:pPr/>
-              <a:t>2020-2-19</a:t>
+              <a:t>2020/3/25</a:t>
             </a:fld>
             <a:endParaRPr lang="zh-CN" altLang="en-US"/>
           </a:p>
@@ -933,7 +946,7 @@
           <a:blip r:embed="rId2" cstate="print">
             <a:extLst>
               <a:ext uri="{28A0092B-C50C-407E-A947-70E740481C1C}">
-                <a14:useLocalDpi xmlns:a14="http://schemas.microsoft.com/office/drawing/2010/main" xmlns="" val="0"/>
+                <a14:useLocalDpi xmlns:a14="http://schemas.microsoft.com/office/drawing/2010/main" val="0"/>
               </a:ext>
             </a:extLst>
           </a:blip>
@@ -1042,7 +1055,7 @@
             <a:fld id="{824AF190-E6C3-4F71-9AD4-820770AEF1A8}" type="datetimeFigureOut">
               <a:rPr lang="zh-CN" altLang="en-US" smtClean="0"/>
               <a:pPr/>
-              <a:t>2020-2-19</a:t>
+              <a:t>2020/3/25</a:t>
             </a:fld>
             <a:endParaRPr lang="zh-CN" altLang="en-US"/>
           </a:p>
@@ -1262,7 +1275,7 @@
             <a:fld id="{824AF190-E6C3-4F71-9AD4-820770AEF1A8}" type="datetimeFigureOut">
               <a:rPr lang="zh-CN" altLang="en-US" smtClean="0"/>
               <a:pPr/>
-              <a:t>2020-2-19</a:t>
+              <a:t>2020/3/25</a:t>
             </a:fld>
             <a:endParaRPr lang="zh-CN" altLang="en-US"/>
           </a:p>
@@ -1359,7 +1372,7 @@
           <a:blip r:embed="rId6" cstate="print">
             <a:extLst>
               <a:ext uri="{28A0092B-C50C-407E-A947-70E740481C1C}">
-                <a14:useLocalDpi xmlns:a14="http://schemas.microsoft.com/office/drawing/2010/main" xmlns="" val="0"/>
+                <a14:useLocalDpi xmlns:a14="http://schemas.microsoft.com/office/drawing/2010/main" val="0"/>
               </a:ext>
             </a:extLst>
           </a:blip>
@@ -1389,7 +1402,7 @@
           <a:blip r:embed="rId7" cstate="print">
             <a:extLst>
               <a:ext uri="{28A0092B-C50C-407E-A947-70E740481C1C}">
-                <a14:useLocalDpi xmlns:a14="http://schemas.microsoft.com/office/drawing/2010/main" xmlns="" val="0"/>
+                <a14:useLocalDpi xmlns:a14="http://schemas.microsoft.com/office/drawing/2010/main" val="0"/>
               </a:ext>
             </a:extLst>
           </a:blip>
@@ -1674,20 +1687,6 @@
 <file path=ppt/slides/slide1.xml><?xml version="1.0" encoding="utf-8"?>
 <p:sld xmlns:a="http://schemas.openxmlformats.org/drawingml/2006/main" xmlns:r="http://schemas.openxmlformats.org/officeDocument/2006/relationships" xmlns:p="http://schemas.openxmlformats.org/presentationml/2006/main">
   <p:cSld>
-    <p:bg>
-      <p:bgPr>
-        <a:blipFill dpi="0" rotWithShape="1">
-          <a:blip r:embed="rId3" cstate="email">
-            <a:lum/>
-          </a:blip>
-          <a:srcRect/>
-          <a:stretch>
-            <a:fillRect/>
-          </a:stretch>
-        </a:blipFill>
-        <a:effectLst/>
-      </p:bgPr>
-    </p:bg>
     <p:spTree>
       <p:nvGrpSpPr>
         <p:cNvPr id="1" name=""/>
@@ -1711,10 +1710,10 @@
           <p:nvPr/>
         </p:nvPicPr>
         <p:blipFill>
-          <a:blip r:embed="rId4" cstate="print">
+          <a:blip r:embed="rId3" cstate="print">
             <a:extLst>
               <a:ext uri="{28A0092B-C50C-407E-A947-70E740481C1C}">
-                <a14:useLocalDpi xmlns:a14="http://schemas.microsoft.com/office/drawing/2010/main" xmlns="" val="0"/>
+                <a14:useLocalDpi xmlns:a14="http://schemas.microsoft.com/office/drawing/2010/main" val="0"/>
               </a:ext>
             </a:extLst>
           </a:blip>
@@ -1740,8 +1739,8 @@
         </p:nvSpPr>
         <p:spPr>
           <a:xfrm>
-            <a:off x="1074016" y="1317129"/>
-            <a:ext cx="6888480" cy="762000"/>
+            <a:off x="1181444" y="1317129"/>
+            <a:ext cx="6673622" cy="769441"/>
           </a:xfrm>
           <a:prstGeom prst="rect">
             <a:avLst/>
@@ -1756,15 +1755,42 @@
           <a:p>
             <a:pPr algn="ctr"/>
             <a:r>
-              <a:rPr lang="zh-CN" sz="4400" dirty="0" smtClean="0">
+              <a:rPr lang="zh-CN" altLang="en-US" sz="4400" dirty="0">
                 <a:solidFill>
                   <a:schemeClr val="bg1"/>
                 </a:solidFill>
                 <a:latin typeface="黑体" charset="-122"/>
                 <a:ea typeface="黑体" charset="-122"/>
               </a:rPr>
-              <a:t>计算机视觉与深度学习实战</a:t>
-            </a:r>
+              <a:t>狼叔的</a:t>
+            </a:r>
+            <a:r>
+              <a:rPr lang="en-US" altLang="zh-CN" sz="4400" dirty="0">
+                <a:solidFill>
+                  <a:schemeClr val="bg1"/>
+                </a:solidFill>
+                <a:latin typeface="黑体" charset="-122"/>
+                <a:ea typeface="黑体" charset="-122"/>
+              </a:rPr>
+              <a:t>Node.js</a:t>
+            </a:r>
+            <a:r>
+              <a:rPr lang="zh-CN" altLang="en-US" sz="4400" dirty="0">
+                <a:solidFill>
+                  <a:schemeClr val="bg1"/>
+                </a:solidFill>
+                <a:latin typeface="黑体" charset="-122"/>
+                <a:ea typeface="黑体" charset="-122"/>
+              </a:rPr>
+              <a:t>快速入门课</a:t>
+            </a:r>
+            <a:endParaRPr lang="zh-CN" sz="4400" dirty="0">
+              <a:solidFill>
+                <a:schemeClr val="bg1"/>
+              </a:solidFill>
+              <a:latin typeface="黑体" charset="-122"/>
+              <a:ea typeface="黑体" charset="-122"/>
+            </a:endParaRPr>
           </a:p>
         </p:txBody>
       </p:sp>
@@ -1776,8 +1802,8 @@
         </p:nvSpPr>
         <p:spPr>
           <a:xfrm>
-            <a:off x="3640551" y="3315050"/>
-            <a:ext cx="902811" cy="307777"/>
+            <a:off x="3371249" y="3315050"/>
+            <a:ext cx="1441420" cy="307777"/>
           </a:xfrm>
           <a:prstGeom prst="rect">
             <a:avLst/>
@@ -1800,10 +1826,10 @@
                 <a:ea typeface="黑体" charset="-122"/>
                 <a:cs typeface="黑体" charset="-122"/>
               </a:rPr>
-              <a:t>主讲人</a:t>
-            </a:r>
-            <a:r>
-              <a:rPr lang="zh-CN" altLang="en-US" sz="1400" dirty="0" smtClean="0">
+              <a:t>主讲人：</a:t>
+            </a:r>
+            <a:r>
+              <a:rPr lang="en-US" altLang="zh-CN" sz="1400" dirty="0">
                 <a:solidFill>
                   <a:schemeClr val="bg1"/>
                 </a:solidFill>
@@ -1811,9 +1837,9 @@
                 <a:ea typeface="黑体" charset="-122"/>
                 <a:cs typeface="黑体" charset="-122"/>
               </a:rPr>
-              <a:t>：</a:t>
-            </a:r>
-            <a:endParaRPr lang="zh-CN" sz="1400" dirty="0" smtClean="0">
+              <a:t>i5ting</a:t>
+            </a:r>
+            <a:endParaRPr lang="zh-CN" sz="1400" dirty="0">
               <a:solidFill>
                 <a:schemeClr val="bg1"/>
               </a:solidFill>
@@ -1832,8 +1858,8 @@
         </p:nvSpPr>
         <p:spPr>
           <a:xfrm>
-            <a:off x="2709776" y="2275344"/>
-            <a:ext cx="3840480" cy="579120"/>
+            <a:off x="2280655" y="2275344"/>
+            <a:ext cx="4698722" cy="584775"/>
           </a:xfrm>
           <a:prstGeom prst="rect">
             <a:avLst/>
@@ -1848,46 +1874,61 @@
           <a:p>
             <a:pPr algn="ctr"/>
             <a:r>
-              <a:rPr lang="zh-CN" sz="3200" dirty="0" smtClean="0">
+              <a:rPr lang="en-US" altLang="zh-CN" sz="3200" dirty="0">
                 <a:solidFill>
                   <a:schemeClr val="bg1"/>
                 </a:solidFill>
                 <a:latin typeface="黑体" charset="-122"/>
                 <a:ea typeface="黑体" charset="-122"/>
               </a:rPr>
-              <a:t>抖音炫酷字特效仿真</a:t>
-            </a:r>
+              <a:t>6. Node.js Web</a:t>
+            </a:r>
+            <a:r>
+              <a:rPr lang="zh-CN" altLang="en-US" sz="3200" dirty="0">
+                <a:solidFill>
+                  <a:schemeClr val="bg1"/>
+                </a:solidFill>
+                <a:latin typeface="黑体" charset="-122"/>
+                <a:ea typeface="黑体" charset="-122"/>
+              </a:rPr>
+              <a:t>应用开发</a:t>
+            </a:r>
+            <a:endParaRPr lang="zh-CN" altLang="zh-CN" sz="3200" dirty="0">
+              <a:solidFill>
+                <a:schemeClr val="bg1"/>
+              </a:solidFill>
+              <a:latin typeface="黑体" charset="-122"/>
+              <a:ea typeface="黑体" charset="-122"/>
+            </a:endParaRPr>
           </a:p>
         </p:txBody>
       </p:sp>
     </p:spTree>
+    <p:extLst>
+      <p:ext uri="{BB962C8B-B14F-4D97-AF65-F5344CB8AC3E}">
+        <p14:creationId xmlns:p14="http://schemas.microsoft.com/office/powerpoint/2010/main" val="3504938972"/>
+      </p:ext>
+    </p:extLst>
   </p:cSld>
   <p:clrMapOvr>
     <a:masterClrMapping/>
   </p:clrMapOvr>
-  <mc:AlternateContent xmlns:mc="http://schemas.openxmlformats.org/markup-compatibility/2006">
-    <mc:Choice xmlns:p14="http://schemas.microsoft.com/office/powerpoint/2010/main" xmlns="" Requires="p14">
+  <mc:AlternateContent xmlns:mc="http://schemas.openxmlformats.org/markup-compatibility/2006" xmlns:p14="http://schemas.microsoft.com/office/powerpoint/2010/main">
+    <mc:Choice Requires="p14">
       <p:transition spd="slow" p14:dur="1500" advClick="0" advTm="0">
         <p:random/>
       </p:transition>
     </mc:Choice>
-    <mc:Fallback>
+    <mc:Fallback xmlns="">
       <p:transition spd="slow" advClick="0" advTm="0">
         <p:random/>
       </p:transition>
     </mc:Fallback>
   </mc:AlternateContent>
-  <p:timing>
-    <p:tnLst>
-      <p:par>
-        <p:cTn id="1" dur="indefinite" restart="never" nodeType="tmRoot"/>
-      </p:par>
-    </p:tnLst>
-  </p:timing>
 </p:sld>
 </file>
 
-<file path=ppt/slides/slide2.xml><?xml version="1.0" encoding="utf-8"?>
+<file path=ppt/slides/slide10.xml><?xml version="1.0" encoding="utf-8"?>
 <p:sld xmlns:a="http://schemas.openxmlformats.org/drawingml/2006/main" xmlns:r="http://schemas.openxmlformats.org/officeDocument/2006/relationships" xmlns:p="http://schemas.openxmlformats.org/presentationml/2006/main">
   <p:cSld>
     <p:spTree>
@@ -1906,7 +1947,13 @@
       </p:grpSpPr>
       <p:pic>
         <p:nvPicPr>
-          <p:cNvPr id="6" name="图片 5" descr="01"/>
+          <p:cNvPr id="4" name="图片 3">
+            <a:extLst>
+              <a:ext uri="{FF2B5EF4-FFF2-40B4-BE49-F238E27FC236}">
+                <a16:creationId xmlns:a16="http://schemas.microsoft.com/office/drawing/2014/main" id="{1A7817B0-59BF-DA41-8F4C-4D0BE4811123}"/>
+              </a:ext>
+            </a:extLst>
+          </p:cNvPr>
           <p:cNvPicPr>
             <a:picLocks noChangeAspect="1"/>
           </p:cNvPicPr>
@@ -1920,8 +1967,8 @@
         </p:blipFill>
         <p:spPr>
           <a:xfrm>
-            <a:off x="474345" y="593725"/>
-            <a:ext cx="8173720" cy="3989070"/>
+            <a:off x="711200" y="133350"/>
+            <a:ext cx="7721600" cy="4876800"/>
           </a:xfrm>
           <a:prstGeom prst="rect">
             <a:avLst/>
@@ -1929,6 +1976,11 @@
         </p:spPr>
       </p:pic>
     </p:spTree>
+    <p:extLst>
+      <p:ext uri="{BB962C8B-B14F-4D97-AF65-F5344CB8AC3E}">
+        <p14:creationId xmlns:p14="http://schemas.microsoft.com/office/powerpoint/2010/main" val="2088222681"/>
+      </p:ext>
+    </p:extLst>
   </p:cSld>
   <p:clrMapOvr>
     <a:masterClrMapping/>
@@ -1939,7 +1991,181 @@
 </p:sld>
 </file>
 
-<file path=ppt/slides/slide3.xml><?xml version="1.0" encoding="utf-8"?>
+<file path=ppt/slides/slide11.xml><?xml version="1.0" encoding="utf-8"?>
+<p:sld xmlns:a="http://schemas.openxmlformats.org/drawingml/2006/main" xmlns:r="http://schemas.openxmlformats.org/officeDocument/2006/relationships" xmlns:p="http://schemas.openxmlformats.org/presentationml/2006/main">
+  <p:cSld>
+    <p:spTree>
+      <p:nvGrpSpPr>
+        <p:cNvPr id="1" name=""/>
+        <p:cNvGrpSpPr/>
+        <p:nvPr/>
+      </p:nvGrpSpPr>
+      <p:grpSpPr>
+        <a:xfrm>
+          <a:off x="0" y="0"/>
+          <a:ext cx="0" cy="0"/>
+          <a:chOff x="0" y="0"/>
+          <a:chExt cx="0" cy="0"/>
+        </a:xfrm>
+      </p:grpSpPr>
+      <p:pic>
+        <p:nvPicPr>
+          <p:cNvPr id="4" name="图片 3">
+            <a:extLst>
+              <a:ext uri="{FF2B5EF4-FFF2-40B4-BE49-F238E27FC236}">
+                <a16:creationId xmlns:a16="http://schemas.microsoft.com/office/drawing/2014/main" id="{F839A44E-59DC-3846-A0CC-00FD4AACD6AC}"/>
+              </a:ext>
+            </a:extLst>
+          </p:cNvPr>
+          <p:cNvPicPr>
+            <a:picLocks noChangeAspect="1"/>
+          </p:cNvPicPr>
+          <p:nvPr/>
+        </p:nvPicPr>
+        <p:blipFill>
+          <a:blip r:embed="rId2"/>
+          <a:stretch>
+            <a:fillRect/>
+          </a:stretch>
+        </p:blipFill>
+        <p:spPr>
+          <a:xfrm>
+            <a:off x="1847850" y="133350"/>
+            <a:ext cx="5448300" cy="4876800"/>
+          </a:xfrm>
+          <a:prstGeom prst="rect">
+            <a:avLst/>
+          </a:prstGeom>
+        </p:spPr>
+      </p:pic>
+    </p:spTree>
+    <p:extLst>
+      <p:ext uri="{BB962C8B-B14F-4D97-AF65-F5344CB8AC3E}">
+        <p14:creationId xmlns:p14="http://schemas.microsoft.com/office/powerpoint/2010/main" val="637778544"/>
+      </p:ext>
+    </p:extLst>
+  </p:cSld>
+  <p:clrMapOvr>
+    <a:masterClrMapping/>
+  </p:clrMapOvr>
+  <p:transition spd="slow">
+    <p:cover/>
+  </p:transition>
+</p:sld>
+</file>
+
+<file path=ppt/slides/slide12.xml><?xml version="1.0" encoding="utf-8"?>
+<p:sld xmlns:a="http://schemas.openxmlformats.org/drawingml/2006/main" xmlns:r="http://schemas.openxmlformats.org/officeDocument/2006/relationships" xmlns:p="http://schemas.openxmlformats.org/presentationml/2006/main">
+  <p:cSld>
+    <p:spTree>
+      <p:nvGrpSpPr>
+        <p:cNvPr id="1" name=""/>
+        <p:cNvGrpSpPr/>
+        <p:nvPr/>
+      </p:nvGrpSpPr>
+      <p:grpSpPr>
+        <a:xfrm>
+          <a:off x="0" y="0"/>
+          <a:ext cx="0" cy="0"/>
+          <a:chOff x="0" y="0"/>
+          <a:chExt cx="0" cy="0"/>
+        </a:xfrm>
+      </p:grpSpPr>
+      <p:sp>
+        <p:nvSpPr>
+          <p:cNvPr id="2" name="标题 1">
+            <a:extLst>
+              <a:ext uri="{FF2B5EF4-FFF2-40B4-BE49-F238E27FC236}">
+                <a16:creationId xmlns:a16="http://schemas.microsoft.com/office/drawing/2014/main" id="{C7DB0453-4DAF-CD48-BFC5-3BDCEE166784}"/>
+              </a:ext>
+            </a:extLst>
+          </p:cNvPr>
+          <p:cNvSpPr>
+            <a:spLocks noGrp="1"/>
+          </p:cNvSpPr>
+          <p:nvPr>
+            <p:ph type="title"/>
+          </p:nvPr>
+        </p:nvSpPr>
+        <p:spPr/>
+        <p:txBody>
+          <a:bodyPr/>
+          <a:lstStyle/>
+          <a:p>
+            <a:r>
+              <a:rPr kumimoji="1" lang="zh-CN" altLang="en-US" dirty="0"/>
+              <a:t>部署</a:t>
+            </a:r>
+          </a:p>
+        </p:txBody>
+      </p:sp>
+      <p:sp>
+        <p:nvSpPr>
+          <p:cNvPr id="3" name="内容占位符 2">
+            <a:extLst>
+              <a:ext uri="{FF2B5EF4-FFF2-40B4-BE49-F238E27FC236}">
+                <a16:creationId xmlns:a16="http://schemas.microsoft.com/office/drawing/2014/main" id="{F323FFC2-6B4D-524A-B5EE-8311CDB82038}"/>
+              </a:ext>
+            </a:extLst>
+          </p:cNvPr>
+          <p:cNvSpPr>
+            <a:spLocks noGrp="1"/>
+          </p:cNvSpPr>
+          <p:nvPr>
+            <p:ph idx="1"/>
+          </p:nvPr>
+        </p:nvSpPr>
+        <p:spPr/>
+        <p:txBody>
+          <a:bodyPr/>
+          <a:lstStyle/>
+          <a:p>
+            <a:r>
+              <a:rPr lang="en-US" altLang="zh-CN" dirty="0"/>
+              <a:t>pm2 + </a:t>
+            </a:r>
+            <a:r>
+              <a:rPr lang="en-US" altLang="zh-CN" dirty="0" err="1"/>
+              <a:t>nginx</a:t>
+            </a:r>
+            <a:endParaRPr lang="en-US" altLang="zh-CN" dirty="0"/>
+          </a:p>
+          <a:p>
+            <a:r>
+              <a:rPr lang="en-US" altLang="zh-CN" dirty="0" err="1"/>
+              <a:t>Shipit</a:t>
+            </a:r>
+            <a:endParaRPr lang="en-US" altLang="zh-CN" dirty="0"/>
+          </a:p>
+          <a:p>
+            <a:r>
+              <a:rPr lang="en-US" altLang="zh-CN" dirty="0" err="1"/>
+              <a:t>nodemon</a:t>
+            </a:r>
+            <a:endParaRPr lang="en-US" altLang="zh-CN" dirty="0"/>
+          </a:p>
+          <a:p>
+            <a:endParaRPr kumimoji="1" lang="zh-CN" altLang="en-US" dirty="0"/>
+          </a:p>
+        </p:txBody>
+      </p:sp>
+    </p:spTree>
+    <p:extLst>
+      <p:ext uri="{BB962C8B-B14F-4D97-AF65-F5344CB8AC3E}">
+        <p14:creationId xmlns:p14="http://schemas.microsoft.com/office/powerpoint/2010/main" val="848096233"/>
+      </p:ext>
+    </p:extLst>
+  </p:cSld>
+  <p:clrMapOvr>
+    <a:masterClrMapping/>
+  </p:clrMapOvr>
+  <p:transition spd="slow">
+    <p:cover/>
+  </p:transition>
+</p:sld>
+</file>
+
+<file path=ppt/slides/slide13.xml><?xml version="1.0" encoding="utf-8"?>
 <p:sld xmlns:a="http://schemas.openxmlformats.org/drawingml/2006/main" xmlns:r="http://schemas.openxmlformats.org/officeDocument/2006/relationships" xmlns:p="http://schemas.openxmlformats.org/presentationml/2006/main">
   <p:cSld>
     <p:spTree>
@@ -1968,7 +2194,7 @@
           <a:blip r:embed="rId3" cstate="print">
             <a:extLst>
               <a:ext uri="{28A0092B-C50C-407E-A947-70E740481C1C}">
-                <a14:useLocalDpi xmlns:a14="http://schemas.microsoft.com/office/drawing/2010/main" xmlns="" val="0"/>
+                <a14:useLocalDpi xmlns:a14="http://schemas.microsoft.com/office/drawing/2010/main" val="0"/>
               </a:ext>
             </a:extLst>
           </a:blip>
@@ -2013,7 +2239,7 @@
           <a:p>
             <a:pPr algn="ctr"/>
             <a:r>
-              <a:rPr lang="zh-CN" altLang="en-US" sz="4400" dirty="0" smtClean="0">
+              <a:rPr lang="zh-CN" altLang="en-US" sz="4400" dirty="0">
                 <a:solidFill>
                   <a:schemeClr val="bg1"/>
                 </a:solidFill>
@@ -2022,7 +2248,7 @@
               </a:rPr>
               <a:t>在技术进步的道路上</a:t>
             </a:r>
-            <a:endParaRPr lang="en-US" altLang="zh-CN" sz="4400" dirty="0" smtClean="0">
+            <a:endParaRPr lang="en-US" altLang="zh-CN" sz="4400" dirty="0">
               <a:solidFill>
                 <a:schemeClr val="bg1"/>
               </a:solidFill>
@@ -2033,7 +2259,7 @@
           <a:p>
             <a:pPr algn="ctr"/>
             <a:r>
-              <a:rPr lang="zh-CN" altLang="en-US" sz="4400" dirty="0" smtClean="0">
+              <a:rPr lang="zh-CN" altLang="en-US" sz="4400" dirty="0">
                 <a:solidFill>
                   <a:schemeClr val="bg1"/>
                 </a:solidFill>
@@ -2042,13 +2268,6 @@
               </a:rPr>
               <a:t>我们共同努力</a:t>
             </a:r>
-            <a:endParaRPr lang="zh-CN" altLang="en-US" sz="4400" dirty="0">
-              <a:solidFill>
-                <a:schemeClr val="bg1"/>
-              </a:solidFill>
-              <a:latin typeface="微软雅黑" pitchFamily="34" charset="-122"/>
-              <a:ea typeface="微软雅黑" pitchFamily="34" charset="-122"/>
-            </a:endParaRPr>
           </a:p>
         </p:txBody>
       </p:sp>
@@ -2057,25 +2276,930 @@
   <p:clrMapOvr>
     <a:masterClrMapping/>
   </p:clrMapOvr>
-  <mc:AlternateContent xmlns:mc="http://schemas.openxmlformats.org/markup-compatibility/2006">
-    <mc:Choice xmlns:p14="http://schemas.microsoft.com/office/powerpoint/2010/main" xmlns="" Requires="p14">
+  <mc:AlternateContent xmlns:mc="http://schemas.openxmlformats.org/markup-compatibility/2006" xmlns:p14="http://schemas.microsoft.com/office/powerpoint/2010/main">
+    <mc:Choice Requires="p14">
       <p:transition spd="slow" p14:dur="1500" advTm="0">
         <p:random/>
       </p:transition>
     </mc:Choice>
-    <mc:Fallback>
+    <mc:Fallback xmlns="">
       <p:transition spd="slow" advTm="0">
         <p:random/>
       </p:transition>
     </mc:Fallback>
   </mc:AlternateContent>
-  <p:timing>
-    <p:tnLst>
-      <p:par>
-        <p:cTn id="1" dur="indefinite" restart="never" nodeType="tmRoot"/>
-      </p:par>
-    </p:tnLst>
-  </p:timing>
+</p:sld>
+</file>
+
+<file path=ppt/slides/slide2.xml><?xml version="1.0" encoding="utf-8"?>
+<p:sld xmlns:a="http://schemas.openxmlformats.org/drawingml/2006/main" xmlns:r="http://schemas.openxmlformats.org/officeDocument/2006/relationships" xmlns:p="http://schemas.openxmlformats.org/presentationml/2006/main">
+  <p:cSld>
+    <p:spTree>
+      <p:nvGrpSpPr>
+        <p:cNvPr id="1" name=""/>
+        <p:cNvGrpSpPr/>
+        <p:nvPr/>
+      </p:nvGrpSpPr>
+      <p:grpSpPr>
+        <a:xfrm>
+          <a:off x="0" y="0"/>
+          <a:ext cx="0" cy="0"/>
+          <a:chOff x="0" y="0"/>
+          <a:chExt cx="0" cy="0"/>
+        </a:xfrm>
+      </p:grpSpPr>
+      <p:sp>
+        <p:nvSpPr>
+          <p:cNvPr id="2" name="标题 1">
+            <a:extLst>
+              <a:ext uri="{FF2B5EF4-FFF2-40B4-BE49-F238E27FC236}">
+                <a16:creationId xmlns:a16="http://schemas.microsoft.com/office/drawing/2014/main" id="{1FCD12E0-973F-7B47-9754-A9A4846E970B}"/>
+              </a:ext>
+            </a:extLst>
+          </p:cNvPr>
+          <p:cNvSpPr>
+            <a:spLocks noGrp="1"/>
+          </p:cNvSpPr>
+          <p:nvPr>
+            <p:ph type="title"/>
+          </p:nvPr>
+        </p:nvSpPr>
+        <p:spPr/>
+        <p:txBody>
+          <a:bodyPr/>
+          <a:lstStyle/>
+          <a:p>
+            <a:r>
+              <a:rPr kumimoji="1" lang="zh-CN" altLang="en-US" dirty="0"/>
+              <a:t>你真的需要学这么多么</a:t>
+            </a:r>
+          </a:p>
+        </p:txBody>
+      </p:sp>
+      <p:sp>
+        <p:nvSpPr>
+          <p:cNvPr id="3" name="内容占位符 2">
+            <a:extLst>
+              <a:ext uri="{FF2B5EF4-FFF2-40B4-BE49-F238E27FC236}">
+                <a16:creationId xmlns:a16="http://schemas.microsoft.com/office/drawing/2014/main" id="{3162B228-A673-434A-AC71-9EF5D86B4919}"/>
+              </a:ext>
+            </a:extLst>
+          </p:cNvPr>
+          <p:cNvSpPr>
+            <a:spLocks noGrp="1"/>
+          </p:cNvSpPr>
+          <p:nvPr>
+            <p:ph idx="1"/>
+          </p:nvPr>
+        </p:nvSpPr>
+        <p:spPr/>
+        <p:txBody>
+          <a:bodyPr/>
+          <a:lstStyle/>
+          <a:p>
+            <a:r>
+              <a:rPr lang="zh-CN" altLang="en-US" dirty="0"/>
+              <a:t>了解</a:t>
+            </a:r>
+            <a:r>
+              <a:rPr lang="en-US" altLang="zh-CN" dirty="0"/>
+              <a:t>http</a:t>
+            </a:r>
+            <a:r>
+              <a:rPr lang="zh-CN" altLang="en-US" dirty="0"/>
+              <a:t>协议，尤其是</a:t>
+            </a:r>
+            <a:r>
+              <a:rPr lang="en-US" altLang="zh-CN" dirty="0"/>
+              <a:t>express/</a:t>
+            </a:r>
+            <a:r>
+              <a:rPr lang="en-US" altLang="zh-CN" dirty="0" err="1"/>
+              <a:t>koa</a:t>
+            </a:r>
+            <a:r>
+              <a:rPr lang="zh-CN" altLang="en-US" dirty="0"/>
+              <a:t>如何</a:t>
+            </a:r>
+            <a:r>
+              <a:rPr lang="en-US" altLang="zh-CN" dirty="0"/>
+              <a:t>req</a:t>
+            </a:r>
+          </a:p>
+          <a:p>
+            <a:r>
+              <a:rPr lang="zh-CN" altLang="en-US" dirty="0"/>
+              <a:t>了解</a:t>
+            </a:r>
+            <a:r>
+              <a:rPr lang="en-US" altLang="zh-CN" dirty="0" err="1"/>
+              <a:t>db</a:t>
+            </a:r>
+            <a:r>
+              <a:rPr lang="zh-CN" altLang="en-US" dirty="0"/>
+              <a:t>相关操作，以</a:t>
+            </a:r>
+            <a:r>
+              <a:rPr lang="en-US" altLang="zh-CN" dirty="0"/>
+              <a:t>mongoose</a:t>
+            </a:r>
+            <a:r>
+              <a:rPr lang="zh-CN" altLang="en-US" dirty="0"/>
+              <a:t>为主</a:t>
+            </a:r>
+          </a:p>
+          <a:p>
+            <a:r>
+              <a:rPr lang="zh-CN" altLang="en-US" dirty="0"/>
+              <a:t>了解</a:t>
+            </a:r>
+            <a:r>
+              <a:rPr lang="en-US" altLang="zh-CN" dirty="0"/>
+              <a:t>Promise/A+</a:t>
+            </a:r>
+            <a:r>
+              <a:rPr lang="zh-CN" altLang="en-US" dirty="0"/>
+              <a:t>规范，合理规避回调陷阱</a:t>
+            </a:r>
+          </a:p>
+          <a:p>
+            <a:r>
+              <a:rPr lang="zh-CN" altLang="en-US" dirty="0"/>
+              <a:t>使用</a:t>
+            </a:r>
+            <a:r>
+              <a:rPr lang="en-US" altLang="zh-CN" dirty="0" err="1"/>
+              <a:t>tdd</a:t>
+            </a:r>
+            <a:r>
+              <a:rPr lang="en-US" altLang="zh-CN" dirty="0"/>
+              <a:t>/</a:t>
+            </a:r>
+            <a:r>
+              <a:rPr lang="en-US" altLang="zh-CN" dirty="0" err="1"/>
+              <a:t>bdd</a:t>
+            </a:r>
+            <a:r>
+              <a:rPr lang="zh-CN" altLang="en-US" dirty="0"/>
+              <a:t>测试，最小化问题</a:t>
+            </a:r>
+          </a:p>
+          <a:p>
+            <a:r>
+              <a:rPr lang="zh-CN" altLang="en-US" dirty="0"/>
+              <a:t>你无论如何都要会的：调试</a:t>
+            </a:r>
+          </a:p>
+        </p:txBody>
+      </p:sp>
+    </p:spTree>
+    <p:extLst>
+      <p:ext uri="{BB962C8B-B14F-4D97-AF65-F5344CB8AC3E}">
+        <p14:creationId xmlns:p14="http://schemas.microsoft.com/office/powerpoint/2010/main" val="3694758781"/>
+      </p:ext>
+    </p:extLst>
+  </p:cSld>
+  <p:clrMapOvr>
+    <a:masterClrMapping/>
+  </p:clrMapOvr>
+  <p:transition spd="slow">
+    <p:cover/>
+  </p:transition>
+</p:sld>
+</file>
+
+<file path=ppt/slides/slide3.xml><?xml version="1.0" encoding="utf-8"?>
+<p:sld xmlns:a="http://schemas.openxmlformats.org/drawingml/2006/main" xmlns:r="http://schemas.openxmlformats.org/officeDocument/2006/relationships" xmlns:p="http://schemas.openxmlformats.org/presentationml/2006/main">
+  <p:cSld>
+    <p:spTree>
+      <p:nvGrpSpPr>
+        <p:cNvPr id="1" name=""/>
+        <p:cNvGrpSpPr/>
+        <p:nvPr/>
+      </p:nvGrpSpPr>
+      <p:grpSpPr>
+        <a:xfrm>
+          <a:off x="0" y="0"/>
+          <a:ext cx="0" cy="0"/>
+          <a:chOff x="0" y="0"/>
+          <a:chExt cx="0" cy="0"/>
+        </a:xfrm>
+      </p:grpSpPr>
+      <p:sp>
+        <p:nvSpPr>
+          <p:cNvPr id="2" name="标题 1">
+            <a:extLst>
+              <a:ext uri="{FF2B5EF4-FFF2-40B4-BE49-F238E27FC236}">
+                <a16:creationId xmlns:a16="http://schemas.microsoft.com/office/drawing/2014/main" id="{C7DB0453-4DAF-CD48-BFC5-3BDCEE166784}"/>
+              </a:ext>
+            </a:extLst>
+          </p:cNvPr>
+          <p:cNvSpPr>
+            <a:spLocks noGrp="1"/>
+          </p:cNvSpPr>
+          <p:nvPr>
+            <p:ph type="title"/>
+          </p:nvPr>
+        </p:nvSpPr>
+        <p:spPr/>
+        <p:txBody>
+          <a:bodyPr/>
+          <a:lstStyle/>
+          <a:p>
+            <a:r>
+              <a:rPr kumimoji="1" lang="en-US" altLang="zh-CN" dirty="0"/>
+              <a:t>Web</a:t>
+            </a:r>
+            <a:r>
+              <a:rPr kumimoji="1" lang="zh-CN" altLang="en-US" dirty="0"/>
+              <a:t>学啥</a:t>
+            </a:r>
+          </a:p>
+        </p:txBody>
+      </p:sp>
+      <p:sp>
+        <p:nvSpPr>
+          <p:cNvPr id="3" name="内容占位符 2">
+            <a:extLst>
+              <a:ext uri="{FF2B5EF4-FFF2-40B4-BE49-F238E27FC236}">
+                <a16:creationId xmlns:a16="http://schemas.microsoft.com/office/drawing/2014/main" id="{F323FFC2-6B4D-524A-B5EE-8311CDB82038}"/>
+              </a:ext>
+            </a:extLst>
+          </p:cNvPr>
+          <p:cNvSpPr>
+            <a:spLocks noGrp="1"/>
+          </p:cNvSpPr>
+          <p:nvPr>
+            <p:ph idx="1"/>
+          </p:nvPr>
+        </p:nvSpPr>
+        <p:spPr/>
+        <p:txBody>
+          <a:bodyPr/>
+          <a:lstStyle/>
+          <a:p>
+            <a:r>
+              <a:rPr lang="zh-CN" altLang="en-US" dirty="0"/>
+              <a:t>框架和周边</a:t>
+            </a:r>
+            <a:endParaRPr lang="en-US" altLang="zh-CN" dirty="0"/>
+          </a:p>
+          <a:p>
+            <a:r>
+              <a:rPr lang="en-US" altLang="zh-CN" dirty="0"/>
+              <a:t>http</a:t>
+            </a:r>
+            <a:r>
+              <a:rPr lang="zh-CN" altLang="en-US" dirty="0"/>
+              <a:t>相关模块</a:t>
+            </a:r>
+            <a:endParaRPr lang="en-US" altLang="zh-CN" dirty="0"/>
+          </a:p>
+          <a:p>
+            <a:r>
+              <a:rPr lang="zh-CN" altLang="en-US" dirty="0"/>
+              <a:t>本地开发部署</a:t>
+            </a:r>
+            <a:endParaRPr kumimoji="1" lang="zh-CN" altLang="en-US" dirty="0"/>
+          </a:p>
+        </p:txBody>
+      </p:sp>
+      <p:sp>
+        <p:nvSpPr>
+          <p:cNvPr id="4" name="文本框 3">
+            <a:extLst>
+              <a:ext uri="{FF2B5EF4-FFF2-40B4-BE49-F238E27FC236}">
+                <a16:creationId xmlns:a16="http://schemas.microsoft.com/office/drawing/2014/main" id="{4416FA53-5329-C444-93D8-C12CA7B53097}"/>
+              </a:ext>
+            </a:extLst>
+          </p:cNvPr>
+          <p:cNvSpPr txBox="1"/>
+          <p:nvPr/>
+        </p:nvSpPr>
+        <p:spPr>
+          <a:xfrm>
+            <a:off x="5757333" y="1801707"/>
+            <a:ext cx="1127232" cy="646331"/>
+          </a:xfrm>
+          <a:prstGeom prst="rect">
+            <a:avLst/>
+          </a:prstGeom>
+          <a:noFill/>
+        </p:spPr>
+        <p:txBody>
+          <a:bodyPr wrap="none" rtlCol="0">
+            <a:spAutoFit/>
+          </a:bodyPr>
+          <a:lstStyle/>
+          <a:p>
+            <a:r>
+              <a:rPr kumimoji="1" lang="zh-CN" altLang="en-US" dirty="0"/>
+              <a:t>英文文档</a:t>
+            </a:r>
+            <a:endParaRPr kumimoji="1" lang="en-US" altLang="zh-CN" dirty="0"/>
+          </a:p>
+          <a:p>
+            <a:r>
+              <a:rPr kumimoji="1" lang="en-US" altLang="zh-CN" dirty="0"/>
+              <a:t>node</a:t>
+            </a:r>
+            <a:r>
+              <a:rPr kumimoji="1" lang="zh-CN" altLang="en-US" dirty="0"/>
+              <a:t>基础</a:t>
+            </a:r>
+          </a:p>
+        </p:txBody>
+      </p:sp>
+    </p:spTree>
+    <p:extLst>
+      <p:ext uri="{BB962C8B-B14F-4D97-AF65-F5344CB8AC3E}">
+        <p14:creationId xmlns:p14="http://schemas.microsoft.com/office/powerpoint/2010/main" val="3033848840"/>
+      </p:ext>
+    </p:extLst>
+  </p:cSld>
+  <p:clrMapOvr>
+    <a:masterClrMapping/>
+  </p:clrMapOvr>
+  <p:transition spd="slow">
+    <p:cover/>
+  </p:transition>
+</p:sld>
+</file>
+
+<file path=ppt/slides/slide4.xml><?xml version="1.0" encoding="utf-8"?>
+<p:sld xmlns:a="http://schemas.openxmlformats.org/drawingml/2006/main" xmlns:r="http://schemas.openxmlformats.org/officeDocument/2006/relationships" xmlns:p="http://schemas.openxmlformats.org/presentationml/2006/main">
+  <p:cSld>
+    <p:spTree>
+      <p:nvGrpSpPr>
+        <p:cNvPr id="1" name=""/>
+        <p:cNvGrpSpPr/>
+        <p:nvPr/>
+      </p:nvGrpSpPr>
+      <p:grpSpPr>
+        <a:xfrm>
+          <a:off x="0" y="0"/>
+          <a:ext cx="0" cy="0"/>
+          <a:chOff x="0" y="0"/>
+          <a:chExt cx="0" cy="0"/>
+        </a:xfrm>
+      </p:grpSpPr>
+      <p:pic>
+        <p:nvPicPr>
+          <p:cNvPr id="2" name="图片 1">
+            <a:extLst>
+              <a:ext uri="{FF2B5EF4-FFF2-40B4-BE49-F238E27FC236}">
+                <a16:creationId xmlns:a16="http://schemas.microsoft.com/office/drawing/2014/main" id="{932B4356-A9AE-1E4D-9CB7-1654B756E936}"/>
+              </a:ext>
+            </a:extLst>
+          </p:cNvPr>
+          <p:cNvPicPr>
+            <a:picLocks noChangeAspect="1"/>
+          </p:cNvPicPr>
+          <p:nvPr/>
+        </p:nvPicPr>
+        <p:blipFill>
+          <a:blip r:embed="rId2"/>
+          <a:stretch>
+            <a:fillRect/>
+          </a:stretch>
+        </p:blipFill>
+        <p:spPr>
+          <a:xfrm>
+            <a:off x="1320800" y="1155700"/>
+            <a:ext cx="6502400" cy="2832100"/>
+          </a:xfrm>
+          <a:prstGeom prst="rect">
+            <a:avLst/>
+          </a:prstGeom>
+        </p:spPr>
+      </p:pic>
+    </p:spTree>
+  </p:cSld>
+  <p:clrMapOvr>
+    <a:masterClrMapping/>
+  </p:clrMapOvr>
+  <p:transition spd="slow">
+    <p:cover/>
+  </p:transition>
+</p:sld>
+</file>
+
+<file path=ppt/slides/slide5.xml><?xml version="1.0" encoding="utf-8"?>
+<p:sld xmlns:a="http://schemas.openxmlformats.org/drawingml/2006/main" xmlns:r="http://schemas.openxmlformats.org/officeDocument/2006/relationships" xmlns:p="http://schemas.openxmlformats.org/presentationml/2006/main">
+  <p:cSld>
+    <p:spTree>
+      <p:nvGrpSpPr>
+        <p:cNvPr id="1" name=""/>
+        <p:cNvGrpSpPr/>
+        <p:nvPr/>
+      </p:nvGrpSpPr>
+      <p:grpSpPr>
+        <a:xfrm>
+          <a:off x="0" y="0"/>
+          <a:ext cx="0" cy="0"/>
+          <a:chOff x="0" y="0"/>
+          <a:chExt cx="0" cy="0"/>
+        </a:xfrm>
+      </p:grpSpPr>
+      <p:sp>
+        <p:nvSpPr>
+          <p:cNvPr id="2" name="标题 1">
+            <a:extLst>
+              <a:ext uri="{FF2B5EF4-FFF2-40B4-BE49-F238E27FC236}">
+                <a16:creationId xmlns:a16="http://schemas.microsoft.com/office/drawing/2014/main" id="{40FBFC71-9C23-2D4F-BEF8-54EE7973984D}"/>
+              </a:ext>
+            </a:extLst>
+          </p:cNvPr>
+          <p:cNvSpPr>
+            <a:spLocks noGrp="1"/>
+          </p:cNvSpPr>
+          <p:nvPr>
+            <p:ph type="title"/>
+          </p:nvPr>
+        </p:nvSpPr>
+        <p:spPr/>
+        <p:txBody>
+          <a:bodyPr/>
+          <a:lstStyle/>
+          <a:p>
+            <a:endParaRPr kumimoji="1" lang="zh-CN" altLang="en-US"/>
+          </a:p>
+        </p:txBody>
+      </p:sp>
+      <p:pic>
+        <p:nvPicPr>
+          <p:cNvPr id="4" name="内容占位符 3">
+            <a:extLst>
+              <a:ext uri="{FF2B5EF4-FFF2-40B4-BE49-F238E27FC236}">
+                <a16:creationId xmlns:a16="http://schemas.microsoft.com/office/drawing/2014/main" id="{1D671414-0B1A-5E40-AA4D-28DEC04FC457}"/>
+              </a:ext>
+            </a:extLst>
+          </p:cNvPr>
+          <p:cNvPicPr>
+            <a:picLocks noGrp="1" noChangeAspect="1"/>
+          </p:cNvPicPr>
+          <p:nvPr>
+            <p:ph idx="1"/>
+          </p:nvPr>
+        </p:nvPicPr>
+        <p:blipFill>
+          <a:blip r:embed="rId2"/>
+          <a:stretch>
+            <a:fillRect/>
+          </a:stretch>
+        </p:blipFill>
+        <p:spPr>
+          <a:xfrm>
+            <a:off x="1644650" y="1246187"/>
+            <a:ext cx="5854700" cy="3302000"/>
+          </a:xfrm>
+          <a:prstGeom prst="rect">
+            <a:avLst/>
+          </a:prstGeom>
+        </p:spPr>
+      </p:pic>
+    </p:spTree>
+    <p:extLst>
+      <p:ext uri="{BB962C8B-B14F-4D97-AF65-F5344CB8AC3E}">
+        <p14:creationId xmlns:p14="http://schemas.microsoft.com/office/powerpoint/2010/main" val="1970729631"/>
+      </p:ext>
+    </p:extLst>
+  </p:cSld>
+  <p:clrMapOvr>
+    <a:masterClrMapping/>
+  </p:clrMapOvr>
+  <p:transition spd="slow">
+    <p:cover/>
+  </p:transition>
+</p:sld>
+</file>
+
+<file path=ppt/slides/slide6.xml><?xml version="1.0" encoding="utf-8"?>
+<p:sld xmlns:a="http://schemas.openxmlformats.org/drawingml/2006/main" xmlns:r="http://schemas.openxmlformats.org/officeDocument/2006/relationships" xmlns:p="http://schemas.openxmlformats.org/presentationml/2006/main">
+  <p:cSld>
+    <p:spTree>
+      <p:nvGrpSpPr>
+        <p:cNvPr id="1" name=""/>
+        <p:cNvGrpSpPr/>
+        <p:nvPr/>
+      </p:nvGrpSpPr>
+      <p:grpSpPr>
+        <a:xfrm>
+          <a:off x="0" y="0"/>
+          <a:ext cx="0" cy="0"/>
+          <a:chOff x="0" y="0"/>
+          <a:chExt cx="0" cy="0"/>
+        </a:xfrm>
+      </p:grpSpPr>
+      <p:sp>
+        <p:nvSpPr>
+          <p:cNvPr id="2" name="标题 1">
+            <a:extLst>
+              <a:ext uri="{FF2B5EF4-FFF2-40B4-BE49-F238E27FC236}">
+                <a16:creationId xmlns:a16="http://schemas.microsoft.com/office/drawing/2014/main" id="{B8CF7EBD-8BAC-0646-B623-6AC182C6B174}"/>
+              </a:ext>
+            </a:extLst>
+          </p:cNvPr>
+          <p:cNvSpPr>
+            <a:spLocks noGrp="1"/>
+          </p:cNvSpPr>
+          <p:nvPr>
+            <p:ph type="title"/>
+          </p:nvPr>
+        </p:nvSpPr>
+        <p:spPr/>
+        <p:txBody>
+          <a:bodyPr/>
+          <a:lstStyle/>
+          <a:p>
+            <a:endParaRPr kumimoji="1" lang="zh-CN" altLang="en-US"/>
+          </a:p>
+        </p:txBody>
+      </p:sp>
+      <p:pic>
+        <p:nvPicPr>
+          <p:cNvPr id="4" name="内容占位符 3">
+            <a:extLst>
+              <a:ext uri="{FF2B5EF4-FFF2-40B4-BE49-F238E27FC236}">
+                <a16:creationId xmlns:a16="http://schemas.microsoft.com/office/drawing/2014/main" id="{0B7E1CA6-4BA7-154F-B465-1F2546B92AAB}"/>
+              </a:ext>
+            </a:extLst>
+          </p:cNvPr>
+          <p:cNvPicPr>
+            <a:picLocks noGrp="1" noChangeAspect="1"/>
+          </p:cNvPicPr>
+          <p:nvPr>
+            <p:ph idx="1"/>
+          </p:nvPr>
+        </p:nvPicPr>
+        <p:blipFill>
+          <a:blip r:embed="rId2"/>
+          <a:stretch>
+            <a:fillRect/>
+          </a:stretch>
+        </p:blipFill>
+        <p:spPr>
+          <a:xfrm>
+            <a:off x="2076357" y="1200150"/>
+            <a:ext cx="4991286" cy="3394075"/>
+          </a:xfrm>
+          <a:prstGeom prst="rect">
+            <a:avLst/>
+          </a:prstGeom>
+        </p:spPr>
+      </p:pic>
+    </p:spTree>
+    <p:extLst>
+      <p:ext uri="{BB962C8B-B14F-4D97-AF65-F5344CB8AC3E}">
+        <p14:creationId xmlns:p14="http://schemas.microsoft.com/office/powerpoint/2010/main" val="1764211582"/>
+      </p:ext>
+    </p:extLst>
+  </p:cSld>
+  <p:clrMapOvr>
+    <a:masterClrMapping/>
+  </p:clrMapOvr>
+  <p:transition spd="slow">
+    <p:cover/>
+  </p:transition>
+</p:sld>
+</file>
+
+<file path=ppt/slides/slide7.xml><?xml version="1.0" encoding="utf-8"?>
+<p:sld xmlns:a="http://schemas.openxmlformats.org/drawingml/2006/main" xmlns:r="http://schemas.openxmlformats.org/officeDocument/2006/relationships" xmlns:p="http://schemas.openxmlformats.org/presentationml/2006/main">
+  <p:cSld>
+    <p:spTree>
+      <p:nvGrpSpPr>
+        <p:cNvPr id="1" name=""/>
+        <p:cNvGrpSpPr/>
+        <p:nvPr/>
+      </p:nvGrpSpPr>
+      <p:grpSpPr>
+        <a:xfrm>
+          <a:off x="0" y="0"/>
+          <a:ext cx="0" cy="0"/>
+          <a:chOff x="0" y="0"/>
+          <a:chExt cx="0" cy="0"/>
+        </a:xfrm>
+      </p:grpSpPr>
+      <p:sp>
+        <p:nvSpPr>
+          <p:cNvPr id="2" name="标题 1">
+            <a:extLst>
+              <a:ext uri="{FF2B5EF4-FFF2-40B4-BE49-F238E27FC236}">
+                <a16:creationId xmlns:a16="http://schemas.microsoft.com/office/drawing/2014/main" id="{D0A4C0C0-53C1-E64C-8AB3-115ED3182849}"/>
+              </a:ext>
+            </a:extLst>
+          </p:cNvPr>
+          <p:cNvSpPr>
+            <a:spLocks noGrp="1"/>
+          </p:cNvSpPr>
+          <p:nvPr>
+            <p:ph type="title"/>
+          </p:nvPr>
+        </p:nvSpPr>
+        <p:spPr/>
+        <p:txBody>
+          <a:bodyPr/>
+          <a:lstStyle/>
+          <a:p>
+            <a:endParaRPr kumimoji="1" lang="zh-CN" altLang="en-US"/>
+          </a:p>
+        </p:txBody>
+      </p:sp>
+      <p:sp>
+        <p:nvSpPr>
+          <p:cNvPr id="3" name="内容占位符 2">
+            <a:extLst>
+              <a:ext uri="{FF2B5EF4-FFF2-40B4-BE49-F238E27FC236}">
+                <a16:creationId xmlns:a16="http://schemas.microsoft.com/office/drawing/2014/main" id="{FFBDB83E-191C-9A4C-BFEA-78BFFD5D541C}"/>
+              </a:ext>
+            </a:extLst>
+          </p:cNvPr>
+          <p:cNvSpPr>
+            <a:spLocks noGrp="1"/>
+          </p:cNvSpPr>
+          <p:nvPr>
+            <p:ph idx="1"/>
+          </p:nvPr>
+        </p:nvSpPr>
+        <p:spPr/>
+        <p:txBody>
+          <a:bodyPr/>
+          <a:lstStyle/>
+          <a:p>
+            <a:endParaRPr kumimoji="1" lang="zh-CN" altLang="en-US"/>
+          </a:p>
+        </p:txBody>
+      </p:sp>
+      <p:pic>
+        <p:nvPicPr>
+          <p:cNvPr id="4" name="图片 3">
+            <a:extLst>
+              <a:ext uri="{FF2B5EF4-FFF2-40B4-BE49-F238E27FC236}">
+                <a16:creationId xmlns:a16="http://schemas.microsoft.com/office/drawing/2014/main" id="{8E357882-FBD5-1B48-97E9-B0F094B67D84}"/>
+              </a:ext>
+            </a:extLst>
+          </p:cNvPr>
+          <p:cNvPicPr>
+            <a:picLocks noChangeAspect="1"/>
+          </p:cNvPicPr>
+          <p:nvPr/>
+        </p:nvPicPr>
+        <p:blipFill>
+          <a:blip r:embed="rId2"/>
+          <a:stretch>
+            <a:fillRect/>
+          </a:stretch>
+        </p:blipFill>
+        <p:spPr>
+          <a:xfrm>
+            <a:off x="1320800" y="266700"/>
+            <a:ext cx="6502400" cy="4610100"/>
+          </a:xfrm>
+          <a:prstGeom prst="rect">
+            <a:avLst/>
+          </a:prstGeom>
+        </p:spPr>
+      </p:pic>
+    </p:spTree>
+    <p:extLst>
+      <p:ext uri="{BB962C8B-B14F-4D97-AF65-F5344CB8AC3E}">
+        <p14:creationId xmlns:p14="http://schemas.microsoft.com/office/powerpoint/2010/main" val="1488390888"/>
+      </p:ext>
+    </p:extLst>
+  </p:cSld>
+  <p:clrMapOvr>
+    <a:masterClrMapping/>
+  </p:clrMapOvr>
+  <p:transition spd="slow">
+    <p:cover/>
+  </p:transition>
+</p:sld>
+</file>
+
+<file path=ppt/slides/slide8.xml><?xml version="1.0" encoding="utf-8"?>
+<p:sld xmlns:a="http://schemas.openxmlformats.org/drawingml/2006/main" xmlns:r="http://schemas.openxmlformats.org/officeDocument/2006/relationships" xmlns:p="http://schemas.openxmlformats.org/presentationml/2006/main">
+  <p:cSld>
+    <p:spTree>
+      <p:nvGrpSpPr>
+        <p:cNvPr id="1" name=""/>
+        <p:cNvGrpSpPr/>
+        <p:nvPr/>
+      </p:nvGrpSpPr>
+      <p:grpSpPr>
+        <a:xfrm>
+          <a:off x="0" y="0"/>
+          <a:ext cx="0" cy="0"/>
+          <a:chOff x="0" y="0"/>
+          <a:chExt cx="0" cy="0"/>
+        </a:xfrm>
+      </p:grpSpPr>
+      <p:sp>
+        <p:nvSpPr>
+          <p:cNvPr id="2" name="标题 1">
+            <a:extLst>
+              <a:ext uri="{FF2B5EF4-FFF2-40B4-BE49-F238E27FC236}">
+                <a16:creationId xmlns:a16="http://schemas.microsoft.com/office/drawing/2014/main" id="{3A54E2A2-B3D8-7945-BF97-D6C3D4CCDF21}"/>
+              </a:ext>
+            </a:extLst>
+          </p:cNvPr>
+          <p:cNvSpPr>
+            <a:spLocks noGrp="1"/>
+          </p:cNvSpPr>
+          <p:nvPr>
+            <p:ph type="title"/>
+          </p:nvPr>
+        </p:nvSpPr>
+        <p:spPr/>
+        <p:txBody>
+          <a:bodyPr/>
+          <a:lstStyle/>
+          <a:p>
+            <a:endParaRPr kumimoji="1" lang="zh-CN" altLang="en-US"/>
+          </a:p>
+        </p:txBody>
+      </p:sp>
+      <p:sp>
+        <p:nvSpPr>
+          <p:cNvPr id="3" name="内容占位符 2">
+            <a:extLst>
+              <a:ext uri="{FF2B5EF4-FFF2-40B4-BE49-F238E27FC236}">
+                <a16:creationId xmlns:a16="http://schemas.microsoft.com/office/drawing/2014/main" id="{1A74442A-9501-C242-98FC-7488E354E418}"/>
+              </a:ext>
+            </a:extLst>
+          </p:cNvPr>
+          <p:cNvSpPr>
+            <a:spLocks noGrp="1"/>
+          </p:cNvSpPr>
+          <p:nvPr>
+            <p:ph idx="1"/>
+          </p:nvPr>
+        </p:nvSpPr>
+        <p:spPr/>
+        <p:txBody>
+          <a:bodyPr/>
+          <a:lstStyle/>
+          <a:p>
+            <a:endParaRPr kumimoji="1" lang="zh-CN" altLang="en-US"/>
+          </a:p>
+        </p:txBody>
+      </p:sp>
+      <p:pic>
+        <p:nvPicPr>
+          <p:cNvPr id="4" name="图片 3">
+            <a:extLst>
+              <a:ext uri="{FF2B5EF4-FFF2-40B4-BE49-F238E27FC236}">
+                <a16:creationId xmlns:a16="http://schemas.microsoft.com/office/drawing/2014/main" id="{DF43F3BD-A68A-4A41-8C89-DA34D09AA8D2}"/>
+              </a:ext>
+            </a:extLst>
+          </p:cNvPr>
+          <p:cNvPicPr>
+            <a:picLocks noChangeAspect="1"/>
+          </p:cNvPicPr>
+          <p:nvPr/>
+        </p:nvPicPr>
+        <p:blipFill>
+          <a:blip r:embed="rId2"/>
+          <a:stretch>
+            <a:fillRect/>
+          </a:stretch>
+        </p:blipFill>
+        <p:spPr>
+          <a:xfrm>
+            <a:off x="3022600" y="1016000"/>
+            <a:ext cx="3098800" cy="3111500"/>
+          </a:xfrm>
+          <a:prstGeom prst="rect">
+            <a:avLst/>
+          </a:prstGeom>
+        </p:spPr>
+      </p:pic>
+    </p:spTree>
+    <p:extLst>
+      <p:ext uri="{BB962C8B-B14F-4D97-AF65-F5344CB8AC3E}">
+        <p14:creationId xmlns:p14="http://schemas.microsoft.com/office/powerpoint/2010/main" val="1566631196"/>
+      </p:ext>
+    </p:extLst>
+  </p:cSld>
+  <p:clrMapOvr>
+    <a:masterClrMapping/>
+  </p:clrMapOvr>
+  <p:transition spd="slow">
+    <p:cover/>
+  </p:transition>
+</p:sld>
+</file>
+
+<file path=ppt/slides/slide9.xml><?xml version="1.0" encoding="utf-8"?>
+<p:sld xmlns:a="http://schemas.openxmlformats.org/drawingml/2006/main" xmlns:r="http://schemas.openxmlformats.org/officeDocument/2006/relationships" xmlns:p="http://schemas.openxmlformats.org/presentationml/2006/main">
+  <p:cSld>
+    <p:spTree>
+      <p:nvGrpSpPr>
+        <p:cNvPr id="1" name=""/>
+        <p:cNvGrpSpPr/>
+        <p:nvPr/>
+      </p:nvGrpSpPr>
+      <p:grpSpPr>
+        <a:xfrm>
+          <a:off x="0" y="0"/>
+          <a:ext cx="0" cy="0"/>
+          <a:chOff x="0" y="0"/>
+          <a:chExt cx="0" cy="0"/>
+        </a:xfrm>
+      </p:grpSpPr>
+      <p:sp>
+        <p:nvSpPr>
+          <p:cNvPr id="2" name="标题 1">
+            <a:extLst>
+              <a:ext uri="{FF2B5EF4-FFF2-40B4-BE49-F238E27FC236}">
+                <a16:creationId xmlns:a16="http://schemas.microsoft.com/office/drawing/2014/main" id="{B9D5A597-1B18-524D-85E6-B957F1D06322}"/>
+              </a:ext>
+            </a:extLst>
+          </p:cNvPr>
+          <p:cNvSpPr>
+            <a:spLocks noGrp="1"/>
+          </p:cNvSpPr>
+          <p:nvPr>
+            <p:ph type="title"/>
+          </p:nvPr>
+        </p:nvSpPr>
+        <p:spPr/>
+        <p:txBody>
+          <a:bodyPr/>
+          <a:lstStyle/>
+          <a:p>
+            <a:endParaRPr kumimoji="1" lang="zh-CN" altLang="en-US"/>
+          </a:p>
+        </p:txBody>
+      </p:sp>
+      <p:sp>
+        <p:nvSpPr>
+          <p:cNvPr id="3" name="内容占位符 2">
+            <a:extLst>
+              <a:ext uri="{FF2B5EF4-FFF2-40B4-BE49-F238E27FC236}">
+                <a16:creationId xmlns:a16="http://schemas.microsoft.com/office/drawing/2014/main" id="{35A888E2-F464-F64A-BB97-5C297C57C3FD}"/>
+              </a:ext>
+            </a:extLst>
+          </p:cNvPr>
+          <p:cNvSpPr>
+            <a:spLocks noGrp="1"/>
+          </p:cNvSpPr>
+          <p:nvPr>
+            <p:ph idx="1"/>
+          </p:nvPr>
+        </p:nvSpPr>
+        <p:spPr/>
+        <p:txBody>
+          <a:bodyPr/>
+          <a:lstStyle/>
+          <a:p>
+            <a:endParaRPr kumimoji="1" lang="zh-CN" altLang="en-US"/>
+          </a:p>
+        </p:txBody>
+      </p:sp>
+      <p:pic>
+        <p:nvPicPr>
+          <p:cNvPr id="4" name="图片 3">
+            <a:extLst>
+              <a:ext uri="{FF2B5EF4-FFF2-40B4-BE49-F238E27FC236}">
+                <a16:creationId xmlns:a16="http://schemas.microsoft.com/office/drawing/2014/main" id="{2341102D-D081-6E46-9A99-9F6DA0A9C898}"/>
+              </a:ext>
+            </a:extLst>
+          </p:cNvPr>
+          <p:cNvPicPr>
+            <a:picLocks noChangeAspect="1"/>
+          </p:cNvPicPr>
+          <p:nvPr/>
+        </p:nvPicPr>
+        <p:blipFill>
+          <a:blip r:embed="rId2"/>
+          <a:stretch>
+            <a:fillRect/>
+          </a:stretch>
+        </p:blipFill>
+        <p:spPr>
+          <a:xfrm>
+            <a:off x="1581150" y="228600"/>
+            <a:ext cx="5981700" cy="4686300"/>
+          </a:xfrm>
+          <a:prstGeom prst="rect">
+            <a:avLst/>
+          </a:prstGeom>
+        </p:spPr>
+      </p:pic>
+    </p:spTree>
+    <p:extLst>
+      <p:ext uri="{BB962C8B-B14F-4D97-AF65-F5344CB8AC3E}">
+        <p14:creationId xmlns:p14="http://schemas.microsoft.com/office/powerpoint/2010/main" val="2091899322"/>
+      </p:ext>
+    </p:extLst>
+  </p:cSld>
+  <p:clrMapOvr>
+    <a:masterClrMapping/>
+  </p:clrMapOvr>
+  <p:transition spd="slow">
+    <p:cover/>
+  </p:transition>
 </p:sld>
 </file>
 
@@ -2363,7 +3487,7 @@
   <a:extraClrSchemeLst/>
   <a:extLst>
     <a:ext uri="{05A4C25C-085E-4340-85A3-A5531E510DB2}">
-      <thm15:themeFamily xmlns:thm15="http://schemas.microsoft.com/office/thememl/2012/main" xmlns="" name="Office Theme" id="{62F939B6-93AF-4DB8-9C6B-D6C7DFDC589F}" vid="{4A3C46E8-61CC-4603-A589-7422A47A8E4A}"/>
+      <thm15:themeFamily xmlns:thm15="http://schemas.microsoft.com/office/thememl/2012/main" name="Office Theme" id="{62F939B6-93AF-4DB8-9C6B-D6C7DFDC589F}" vid="{4A3C46E8-61CC-4603-A589-7422A47A8E4A}"/>
     </a:ext>
   </a:extLst>
 </a:theme>
@@ -2653,7 +3777,7 @@
   <a:extraClrSchemeLst/>
   <a:extLst>
     <a:ext uri="{05A4C25C-085E-4340-85A3-A5531E510DB2}">
-      <thm15:themeFamily xmlns:thm15="http://schemas.microsoft.com/office/thememl/2012/main" xmlns="" name="Office Theme" id="{62F939B6-93AF-4DB8-9C6B-D6C7DFDC589F}" vid="{4A3C46E8-61CC-4603-A589-7422A47A8E4A}"/>
+      <thm15:themeFamily xmlns:thm15="http://schemas.microsoft.com/office/thememl/2012/main" name="Office Theme" id="{62F939B6-93AF-4DB8-9C6B-D6C7DFDC589F}" vid="{4A3C46E8-61CC-4603-A589-7422A47A8E4A}"/>
     </a:ext>
   </a:extLst>
 </a:theme>
